--- a/Docs/Cyclistic Marketing Strategy 2020 - 2021.pptx
+++ b/Docs/Cyclistic Marketing Strategy 2020 - 2021.pptx
@@ -19,21 +19,22 @@
     <p:sldId id="264" r:id="rId14"/>
     <p:sldId id="265" r:id="rId15"/>
     <p:sldId id="266" r:id="rId16"/>
+    <p:sldId id="267" r:id="rId17"/>
   </p:sldIdLst>
   <p:sldSz cy="5143500" cx="9144000"/>
   <p:notesSz cx="6858000" cy="9144000"/>
   <p:embeddedFontLst>
     <p:embeddedFont>
       <p:font typeface="Nunito"/>
-      <p:regular r:id="rId17"/>
-      <p:bold r:id="rId18"/>
-      <p:italic r:id="rId19"/>
-      <p:boldItalic r:id="rId20"/>
+      <p:regular r:id="rId18"/>
+      <p:bold r:id="rId19"/>
+      <p:italic r:id="rId20"/>
+      <p:boldItalic r:id="rId21"/>
     </p:embeddedFont>
     <p:embeddedFont>
       <p:font typeface="Maven Pro"/>
-      <p:regular r:id="rId21"/>
-      <p:bold r:id="rId22"/>
+      <p:regular r:id="rId22"/>
+      <p:bold r:id="rId23"/>
     </p:embeddedFont>
   </p:embeddedFontLst>
   <p:defaultTextStyle>
@@ -814,7 +815,7 @@
   <p:cSld>
     <p:spTree>
       <p:nvGrpSpPr>
-        <p:cNvPr id="334" name="Shape 334"/>
+        <p:cNvPr id="335" name="Shape 335"/>
         <p:cNvGrpSpPr/>
         <p:nvPr/>
       </p:nvGrpSpPr>
@@ -828,7 +829,7 @@
       </p:grpSpPr>
       <p:sp>
         <p:nvSpPr>
-          <p:cNvPr id="335" name="Google Shape;335;g1097ece5637_0_360:notes"/>
+          <p:cNvPr id="336" name="Google Shape;336;g1097ece5637_0_351:notes"/>
           <p:cNvSpPr/>
           <p:nvPr>
             <p:ph idx="2" type="sldImg"/>
@@ -863,7 +864,7 @@
       </p:sp>
       <p:sp>
         <p:nvSpPr>
-          <p:cNvPr id="336" name="Google Shape;336;g1097ece5637_0_360:notes"/>
+          <p:cNvPr id="337" name="Google Shape;337;g1097ece5637_0_351:notes"/>
           <p:cNvSpPr txBox="1"/>
           <p:nvPr>
             <p:ph idx="1" type="body"/>
@@ -913,7 +914,7 @@
   <p:cSld>
     <p:spTree>
       <p:nvGrpSpPr>
-        <p:cNvPr id="340" name="Shape 340"/>
+        <p:cNvPr id="341" name="Shape 341"/>
         <p:cNvGrpSpPr/>
         <p:nvPr/>
       </p:nvGrpSpPr>
@@ -927,7 +928,7 @@
       </p:grpSpPr>
       <p:sp>
         <p:nvSpPr>
-          <p:cNvPr id="341" name="Google Shape;341;g1097ece5637_0_365:notes"/>
+          <p:cNvPr id="342" name="Google Shape;342;g1097ece5637_0_360:notes"/>
           <p:cNvSpPr/>
           <p:nvPr>
             <p:ph idx="2" type="sldImg"/>
@@ -962,7 +963,106 @@
       </p:sp>
       <p:sp>
         <p:nvSpPr>
-          <p:cNvPr id="342" name="Google Shape;342;g1097ece5637_0_365:notes"/>
+          <p:cNvPr id="343" name="Google Shape;343;g1097ece5637_0_360:notes"/>
+          <p:cNvSpPr txBox="1"/>
+          <p:nvPr>
+            <p:ph idx="1" type="body"/>
+          </p:nvPr>
+        </p:nvSpPr>
+        <p:spPr>
+          <a:xfrm>
+            <a:off x="685800" y="4343400"/>
+            <a:ext cx="5486400" cy="4114800"/>
+          </a:xfrm>
+          <a:prstGeom prst="rect">
+            <a:avLst/>
+          </a:prstGeom>
+        </p:spPr>
+        <p:txBody>
+          <a:bodyPr anchorCtr="0" anchor="t" bIns="91425" lIns="91425" spcFirstLastPara="1" rIns="91425" wrap="square" tIns="91425">
+            <a:noAutofit/>
+          </a:bodyPr>
+          <a:lstStyle/>
+          <a:p>
+            <a:pPr indent="0" lvl="0" marL="0" rtl="0" algn="l">
+              <a:spcBef>
+                <a:spcPts val="0"/>
+              </a:spcBef>
+              <a:spcAft>
+                <a:spcPts val="0"/>
+              </a:spcAft>
+              <a:buNone/>
+            </a:pPr>
+            <a:r>
+              <a:t/>
+            </a:r>
+            <a:endParaRPr/>
+          </a:p>
+        </p:txBody>
+      </p:sp>
+    </p:spTree>
+  </p:cSld>
+  <p:clrMapOvr>
+    <a:masterClrMapping/>
+  </p:clrMapOvr>
+</p:notes>
+</file>
+
+<file path=ppt/notesSlides/notesSlide12.xml><?xml version="1.0" encoding="utf-8"?>
+<p:notes xmlns:a="http://schemas.openxmlformats.org/drawingml/2006/main" xmlns:r="http://schemas.openxmlformats.org/officeDocument/2006/relationships" xmlns:mc="http://schemas.openxmlformats.org/markup-compatibility/2006" xmlns:mv="urn:schemas-microsoft-com:mac:vml" xmlns:p="http://schemas.openxmlformats.org/presentationml/2006/main" xmlns:c="http://schemas.openxmlformats.org/drawingml/2006/chart" xmlns:dgm="http://schemas.openxmlformats.org/drawingml/2006/diagram" xmlns:o="urn:schemas-microsoft-com:office:office" xmlns:v="urn:schemas-microsoft-com:vml" xmlns:pvml="urn:schemas-microsoft-com:office:powerpoint" xmlns:com="http://schemas.openxmlformats.org/drawingml/2006/compatibility" xmlns:p14="http://schemas.microsoft.com/office/powerpoint/2010/main" xmlns:p15="http://schemas.microsoft.com/office/powerpoint/2012/main" xmlns:ahyp="http://schemas.microsoft.com/office/drawing/2018/hyperlinkcolor" showMasterPhAnim="0" showMasterSp="0">
+  <p:cSld>
+    <p:spTree>
+      <p:nvGrpSpPr>
+        <p:cNvPr id="347" name="Shape 347"/>
+        <p:cNvGrpSpPr/>
+        <p:nvPr/>
+      </p:nvGrpSpPr>
+      <p:grpSpPr>
+        <a:xfrm>
+          <a:off x="0" y="0"/>
+          <a:ext cx="0" cy="0"/>
+          <a:chOff x="0" y="0"/>
+          <a:chExt cx="0" cy="0"/>
+        </a:xfrm>
+      </p:grpSpPr>
+      <p:sp>
+        <p:nvSpPr>
+          <p:cNvPr id="348" name="Google Shape;348;g1097ece5637_0_365:notes"/>
+          <p:cNvSpPr/>
+          <p:nvPr>
+            <p:ph idx="2" type="sldImg"/>
+          </p:nvPr>
+        </p:nvSpPr>
+        <p:spPr>
+          <a:xfrm>
+            <a:off x="381300" y="685800"/>
+            <a:ext cx="6096000" cy="3429000"/>
+          </a:xfrm>
+          <a:custGeom>
+            <a:rect b="b" l="l" r="r" t="t"/>
+            <a:pathLst>
+              <a:path extrusionOk="0" h="120000" w="120000">
+                <a:moveTo>
+                  <a:pt x="0" y="0"/>
+                </a:moveTo>
+                <a:lnTo>
+                  <a:pt x="120000" y="0"/>
+                </a:lnTo>
+                <a:lnTo>
+                  <a:pt x="120000" y="120000"/>
+                </a:lnTo>
+                <a:lnTo>
+                  <a:pt x="0" y="120000"/>
+                </a:lnTo>
+                <a:close/>
+              </a:path>
+            </a:pathLst>
+          </a:custGeom>
+        </p:spPr>
+      </p:sp>
+      <p:sp>
+        <p:nvSpPr>
+          <p:cNvPr id="349" name="Google Shape;349;g1097ece5637_0_365:notes"/>
           <p:cNvSpPr txBox="1"/>
           <p:nvPr>
             <p:ph idx="1" type="body"/>
@@ -1620,7 +1720,7 @@
       </p:grpSpPr>
       <p:sp>
         <p:nvSpPr>
-          <p:cNvPr id="320" name="Google Shape;320;g1097ece5637_0_327:notes"/>
+          <p:cNvPr id="320" name="Google Shape;320;g10822adab9d_0_0:notes"/>
           <p:cNvSpPr/>
           <p:nvPr>
             <p:ph idx="2" type="sldImg"/>
@@ -1655,7 +1755,7 @@
       </p:sp>
       <p:sp>
         <p:nvSpPr>
-          <p:cNvPr id="321" name="Google Shape;321;g1097ece5637_0_327:notes"/>
+          <p:cNvPr id="321" name="Google Shape;321;g10822adab9d_0_0:notes"/>
           <p:cNvSpPr txBox="1"/>
           <p:nvPr>
             <p:ph idx="1" type="body"/>
@@ -1705,7 +1805,7 @@
   <p:cSld>
     <p:spTree>
       <p:nvGrpSpPr>
-        <p:cNvPr id="328" name="Shape 328"/>
+        <p:cNvPr id="326" name="Shape 326"/>
         <p:cNvGrpSpPr/>
         <p:nvPr/>
       </p:nvGrpSpPr>
@@ -1719,7 +1819,7 @@
       </p:grpSpPr>
       <p:sp>
         <p:nvSpPr>
-          <p:cNvPr id="329" name="Google Shape;329;g1097ece5637_0_351:notes"/>
+          <p:cNvPr id="327" name="Google Shape;327;g1097ece5637_0_327:notes"/>
           <p:cNvSpPr/>
           <p:nvPr>
             <p:ph idx="2" type="sldImg"/>
@@ -1754,7 +1854,7 @@
       </p:sp>
       <p:sp>
         <p:nvSpPr>
-          <p:cNvPr id="330" name="Google Shape;330;g1097ece5637_0_351:notes"/>
+          <p:cNvPr id="328" name="Google Shape;328;g1097ece5637_0_327:notes"/>
           <p:cNvSpPr txBox="1"/>
           <p:nvPr>
             <p:ph idx="1" type="body"/>
@@ -16160,7 +16260,7 @@
                 <a:cs typeface="Arial"/>
                 <a:sym typeface="Arial"/>
               </a:rPr>
-              <a:t>2020 - 2021</a:t>
+              <a:t>2020</a:t>
             </a:r>
             <a:endParaRPr sz="4940"/>
           </a:p>
@@ -16326,7 +16426,7 @@
     </p:bg>
     <p:spTree>
       <p:nvGrpSpPr>
-        <p:cNvPr id="337" name="Shape 337"/>
+        <p:cNvPr id="338" name="Shape 338"/>
         <p:cNvGrpSpPr/>
         <p:nvPr/>
       </p:nvGrpSpPr>
@@ -16340,7 +16440,7 @@
       </p:grpSpPr>
       <p:sp>
         <p:nvSpPr>
-          <p:cNvPr id="338" name="Google Shape;338;p22"/>
+          <p:cNvPr id="339" name="Google Shape;339;p22"/>
           <p:cNvSpPr txBox="1"/>
           <p:nvPr>
             <p:ph type="title"/>
@@ -16369,7 +16469,7 @@
                 <a:spcPts val="0"/>
               </a:spcBef>
               <a:spcAft>
-                <a:spcPts val="1200"/>
+                <a:spcPts val="0"/>
               </a:spcAft>
               <a:buNone/>
             </a:pPr>
@@ -16383,15 +16483,75 @@
                 <a:cs typeface="Nunito"/>
                 <a:sym typeface="Nunito"/>
               </a:rPr>
-              <a:t>Next Actions</a:t>
+              <a:t>Key Result</a:t>
             </a:r>
-            <a:endParaRPr sz="3200"/>
+            <a:endParaRPr sz="3200">
+              <a:solidFill>
+                <a:schemeClr val="lt1"/>
+              </a:solidFill>
+              <a:latin typeface="Nunito"/>
+              <a:ea typeface="Nunito"/>
+              <a:cs typeface="Nunito"/>
+              <a:sym typeface="Nunito"/>
+            </a:endParaRPr>
+          </a:p>
+          <a:p>
+            <a:pPr indent="457200" lvl="0" marL="0" rtl="0" algn="l">
+              <a:lnSpc>
+                <a:spcPct val="115000"/>
+              </a:lnSpc>
+              <a:spcBef>
+                <a:spcPts val="1200"/>
+              </a:spcBef>
+              <a:spcAft>
+                <a:spcPts val="0"/>
+              </a:spcAft>
+              <a:buNone/>
+            </a:pPr>
+            <a:r>
+              <a:t/>
+            </a:r>
+            <a:endParaRPr sz="3200">
+              <a:solidFill>
+                <a:schemeClr val="lt1"/>
+              </a:solidFill>
+              <a:latin typeface="Nunito"/>
+              <a:ea typeface="Nunito"/>
+              <a:cs typeface="Nunito"/>
+              <a:sym typeface="Nunito"/>
+            </a:endParaRPr>
+          </a:p>
+          <a:p>
+            <a:pPr indent="457200" lvl="0" marL="0" rtl="0" algn="l">
+              <a:lnSpc>
+                <a:spcPct val="115000"/>
+              </a:lnSpc>
+              <a:spcBef>
+                <a:spcPts val="1200"/>
+              </a:spcBef>
+              <a:spcAft>
+                <a:spcPts val="1200"/>
+              </a:spcAft>
+              <a:buNone/>
+            </a:pPr>
+            <a:r>
+              <a:t/>
+            </a:r>
+            <a:endParaRPr sz="3200">
+              <a:solidFill>
+                <a:schemeClr val="lt1"/>
+              </a:solidFill>
+              <a:latin typeface="Nunito"/>
+              <a:ea typeface="Nunito"/>
+              <a:cs typeface="Nunito"/>
+              <a:sym typeface="Nunito"/>
+            </a:endParaRPr>
           </a:p>
         </p:txBody>
       </p:sp>
       <p:sp>
         <p:nvSpPr>
-          <p:cNvPr id="339" name="Google Shape;339;p22"/>
+          <p:cNvPr id="340" name="Google Shape;340;p22"/>
           <p:cNvSpPr txBox="1"/>
           <p:nvPr>
             <p:ph idx="1" type="body"/>
@@ -16400,7 +16560,7 @@
         <p:spPr>
           <a:xfrm>
             <a:off x="305900" y="1210300"/>
-            <a:ext cx="5664600" cy="3672600"/>
+            <a:ext cx="6860400" cy="3672600"/>
           </a:xfrm>
           <a:prstGeom prst="rect">
             <a:avLst/>
@@ -16436,7 +16596,90 @@
                 <a:cs typeface="Arial"/>
                 <a:sym typeface="Arial"/>
               </a:rPr>
-              <a:t>Time to review and discuss presented information </a:t>
+              <a:t>We need an </a:t>
+            </a:r>
+            <a:r>
+              <a:rPr lang="en" sz="1500">
+                <a:solidFill>
+                  <a:schemeClr val="lt1"/>
+                </a:solidFill>
+                <a:latin typeface="Arial"/>
+                <a:ea typeface="Arial"/>
+                <a:cs typeface="Arial"/>
+                <a:sym typeface="Arial"/>
+              </a:rPr>
+              <a:t>objective</a:t>
+            </a:r>
+            <a:r>
+              <a:rPr lang="en" sz="1500">
+                <a:solidFill>
+                  <a:schemeClr val="lt1"/>
+                </a:solidFill>
+                <a:latin typeface="Arial"/>
+                <a:ea typeface="Arial"/>
+                <a:cs typeface="Arial"/>
+                <a:sym typeface="Arial"/>
+              </a:rPr>
+              <a:t> and </a:t>
+            </a:r>
+            <a:r>
+              <a:rPr lang="en" sz="1500">
+                <a:solidFill>
+                  <a:schemeClr val="lt1"/>
+                </a:solidFill>
+                <a:latin typeface="Arial"/>
+                <a:ea typeface="Arial"/>
+                <a:cs typeface="Arial"/>
+                <a:sym typeface="Arial"/>
+              </a:rPr>
+              <a:t>measurable</a:t>
+            </a:r>
+            <a:r>
+              <a:rPr lang="en" sz="1500">
+                <a:solidFill>
+                  <a:schemeClr val="lt1"/>
+                </a:solidFill>
+                <a:latin typeface="Arial"/>
+                <a:ea typeface="Arial"/>
+                <a:cs typeface="Arial"/>
+                <a:sym typeface="Arial"/>
+              </a:rPr>
+              <a:t> indicator to test success of our marketing </a:t>
+            </a:r>
+            <a:r>
+              <a:rPr lang="en" sz="1500">
+                <a:solidFill>
+                  <a:schemeClr val="lt1"/>
+                </a:solidFill>
+                <a:latin typeface="Arial"/>
+                <a:ea typeface="Arial"/>
+                <a:cs typeface="Arial"/>
+                <a:sym typeface="Arial"/>
+              </a:rPr>
+              <a:t>campaign</a:t>
+            </a:r>
+            <a:endParaRPr sz="1500">
+              <a:solidFill>
+                <a:schemeClr val="lt1"/>
+              </a:solidFill>
+              <a:latin typeface="Arial"/>
+              <a:ea typeface="Arial"/>
+              <a:cs typeface="Arial"/>
+              <a:sym typeface="Arial"/>
+            </a:endParaRPr>
+          </a:p>
+          <a:p>
+            <a:pPr indent="0" lvl="0" marL="457200" rtl="0" algn="l">
+              <a:spcBef>
+                <a:spcPts val="0"/>
+              </a:spcBef>
+              <a:spcAft>
+                <a:spcPts val="0"/>
+              </a:spcAft>
+              <a:buNone/>
+            </a:pPr>
+            <a:r>
+              <a:t/>
             </a:r>
             <a:endParaRPr sz="1500">
               <a:solidFill>
@@ -16473,7 +16716,7 @@
                 <a:cs typeface="Arial"/>
                 <a:sym typeface="Arial"/>
               </a:rPr>
-              <a:t>Follow-up </a:t>
+              <a:t>By creating new targeted </a:t>
             </a:r>
             <a:r>
               <a:rPr lang="en" sz="1500">
@@ -16485,7 +16728,152 @@
                 <a:cs typeface="Arial"/>
                 <a:sym typeface="Arial"/>
               </a:rPr>
-              <a:t>meeting</a:t>
+              <a:t>campaign</a:t>
+            </a:r>
+            <a:r>
+              <a:rPr lang="en" sz="1500">
+                <a:solidFill>
+                  <a:schemeClr val="lt1"/>
+                </a:solidFill>
+                <a:latin typeface="Arial"/>
+                <a:ea typeface="Arial"/>
+                <a:cs typeface="Arial"/>
+                <a:sym typeface="Arial"/>
+              </a:rPr>
+              <a:t> we can convert:</a:t>
+            </a:r>
+            <a:endParaRPr sz="1500">
+              <a:solidFill>
+                <a:schemeClr val="lt1"/>
+              </a:solidFill>
+              <a:latin typeface="Arial"/>
+              <a:ea typeface="Arial"/>
+              <a:cs typeface="Arial"/>
+              <a:sym typeface="Arial"/>
+            </a:endParaRPr>
+          </a:p>
+          <a:p>
+            <a:pPr indent="-323850" lvl="1" marL="914400" rtl="0" algn="l">
+              <a:spcBef>
+                <a:spcPts val="0"/>
+              </a:spcBef>
+              <a:spcAft>
+                <a:spcPts val="0"/>
+              </a:spcAft>
+              <a:buClr>
+                <a:schemeClr val="lt1"/>
+              </a:buClr>
+              <a:buSzPts val="1500"/>
+              <a:buFont typeface="Arial"/>
+              <a:buChar char="○"/>
+            </a:pPr>
+            <a:r>
+              <a:rPr lang="en" sz="1500">
+                <a:solidFill>
+                  <a:schemeClr val="lt1"/>
+                </a:solidFill>
+                <a:latin typeface="Arial"/>
+                <a:ea typeface="Arial"/>
+                <a:cs typeface="Arial"/>
+                <a:sym typeface="Arial"/>
+              </a:rPr>
+              <a:t>17% of male </a:t>
+            </a:r>
+            <a:r>
+              <a:rPr lang="en" sz="1500">
+                <a:solidFill>
+                  <a:schemeClr val="lt1"/>
+                </a:solidFill>
+                <a:latin typeface="Arial"/>
+                <a:ea typeface="Arial"/>
+                <a:cs typeface="Arial"/>
+                <a:sym typeface="Arial"/>
+              </a:rPr>
+              <a:t>casual</a:t>
+            </a:r>
+            <a:r>
+              <a:rPr lang="en" sz="1500">
+                <a:solidFill>
+                  <a:schemeClr val="lt1"/>
+                </a:solidFill>
+                <a:latin typeface="Arial"/>
+                <a:ea typeface="Arial"/>
+                <a:cs typeface="Arial"/>
+                <a:sym typeface="Arial"/>
+              </a:rPr>
+              <a:t> rider trips into annual </a:t>
+            </a:r>
+            <a:r>
+              <a:rPr lang="en" sz="1500">
+                <a:solidFill>
+                  <a:schemeClr val="lt1"/>
+                </a:solidFill>
+                <a:latin typeface="Arial"/>
+                <a:ea typeface="Arial"/>
+                <a:cs typeface="Arial"/>
+                <a:sym typeface="Arial"/>
+              </a:rPr>
+              <a:t>membership ones</a:t>
+            </a:r>
+            <a:endParaRPr sz="1500">
+              <a:solidFill>
+                <a:schemeClr val="lt1"/>
+              </a:solidFill>
+              <a:latin typeface="Arial"/>
+              <a:ea typeface="Arial"/>
+              <a:cs typeface="Arial"/>
+              <a:sym typeface="Arial"/>
+            </a:endParaRPr>
+          </a:p>
+          <a:p>
+            <a:pPr indent="-323850" lvl="1" marL="914400" rtl="0" algn="l">
+              <a:spcBef>
+                <a:spcPts val="0"/>
+              </a:spcBef>
+              <a:spcAft>
+                <a:spcPts val="0"/>
+              </a:spcAft>
+              <a:buClr>
+                <a:schemeClr val="lt1"/>
+              </a:buClr>
+              <a:buSzPts val="1500"/>
+              <a:buFont typeface="Arial"/>
+              <a:buChar char="○"/>
+            </a:pPr>
+            <a:r>
+              <a:rPr lang="en" sz="1500">
+                <a:solidFill>
+                  <a:schemeClr val="lt1"/>
+                </a:solidFill>
+                <a:latin typeface="Arial"/>
+                <a:ea typeface="Arial"/>
+                <a:cs typeface="Arial"/>
+                <a:sym typeface="Arial"/>
+              </a:rPr>
+              <a:t>Which is 10% of all trips made in 2019</a:t>
+            </a:r>
+            <a:endParaRPr sz="1500">
+              <a:solidFill>
+                <a:schemeClr val="lt1"/>
+              </a:solidFill>
+              <a:latin typeface="Arial"/>
+              <a:ea typeface="Arial"/>
+              <a:cs typeface="Arial"/>
+              <a:sym typeface="Arial"/>
+            </a:endParaRPr>
+          </a:p>
+          <a:p>
+            <a:pPr indent="0" lvl="0" marL="457200" rtl="0" algn="l">
+              <a:spcBef>
+                <a:spcPts val="0"/>
+              </a:spcBef>
+              <a:spcAft>
+                <a:spcPts val="0"/>
+              </a:spcAft>
+              <a:buNone/>
+            </a:pPr>
+            <a:r>
+              <a:t/>
             </a:r>
             <a:endParaRPr sz="1500">
               <a:solidFill>
@@ -16522,7 +16910,7 @@
                 <a:cs typeface="Arial"/>
                 <a:sym typeface="Arial"/>
               </a:rPr>
-              <a:t>Campaign</a:t>
+              <a:t>The </a:t>
             </a:r>
             <a:r>
               <a:rPr lang="en" sz="1500">
@@ -16534,9 +16922,117 @@
                 <a:cs typeface="Arial"/>
                 <a:sym typeface="Arial"/>
               </a:rPr>
-              <a:t> Approval  </a:t>
+              <a:t>campaign</a:t>
             </a:r>
-            <a:endParaRPr sz="1500">
+            <a:r>
+              <a:rPr lang="en" sz="1500">
+                <a:solidFill>
+                  <a:schemeClr val="lt1"/>
+                </a:solidFill>
+                <a:latin typeface="Arial"/>
+                <a:ea typeface="Arial"/>
+                <a:cs typeface="Arial"/>
+                <a:sym typeface="Arial"/>
+              </a:rPr>
+              <a:t> goal is to </a:t>
+            </a:r>
+            <a:r>
+              <a:rPr b="1" lang="en" sz="1500" u="sng">
+                <a:solidFill>
+                  <a:schemeClr val="lt1"/>
+                </a:solidFill>
+                <a:latin typeface="Arial"/>
+                <a:ea typeface="Arial"/>
+                <a:cs typeface="Arial"/>
+                <a:sym typeface="Arial"/>
+              </a:rPr>
+              <a:t>convert 10%</a:t>
+            </a:r>
+            <a:r>
+              <a:rPr lang="en" sz="1500">
+                <a:solidFill>
+                  <a:schemeClr val="lt1"/>
+                </a:solidFill>
+                <a:latin typeface="Arial"/>
+                <a:ea typeface="Arial"/>
+                <a:cs typeface="Arial"/>
+                <a:sym typeface="Arial"/>
+              </a:rPr>
+              <a:t> </a:t>
+            </a:r>
+            <a:r>
+              <a:rPr lang="en" sz="1500">
+                <a:solidFill>
+                  <a:schemeClr val="lt1"/>
+                </a:solidFill>
+                <a:latin typeface="Arial"/>
+                <a:ea typeface="Arial"/>
+                <a:cs typeface="Arial"/>
+                <a:sym typeface="Arial"/>
+              </a:rPr>
+              <a:t>of all casual trips into </a:t>
+            </a:r>
+            <a:r>
+              <a:rPr lang="en" sz="1500">
+                <a:solidFill>
+                  <a:schemeClr val="lt1"/>
+                </a:solidFill>
+                <a:latin typeface="Arial"/>
+                <a:ea typeface="Arial"/>
+                <a:cs typeface="Arial"/>
+                <a:sym typeface="Arial"/>
+              </a:rPr>
+              <a:t>annual</a:t>
+            </a:r>
+            <a:r>
+              <a:rPr lang="en" sz="1500">
+                <a:solidFill>
+                  <a:schemeClr val="lt1"/>
+                </a:solidFill>
+                <a:latin typeface="Arial"/>
+                <a:ea typeface="Arial"/>
+                <a:cs typeface="Arial"/>
+                <a:sym typeface="Arial"/>
+              </a:rPr>
+              <a:t> </a:t>
+            </a:r>
+            <a:r>
+              <a:rPr lang="en" sz="1500">
+                <a:solidFill>
+                  <a:schemeClr val="lt1"/>
+                </a:solidFill>
+                <a:latin typeface="Arial"/>
+                <a:ea typeface="Arial"/>
+                <a:cs typeface="Arial"/>
+                <a:sym typeface="Arial"/>
+              </a:rPr>
+              <a:t>membership</a:t>
+            </a:r>
+            <a:r>
+              <a:rPr lang="en" sz="1500">
+                <a:solidFill>
+                  <a:schemeClr val="lt1"/>
+                </a:solidFill>
+                <a:latin typeface="Arial"/>
+                <a:ea typeface="Arial"/>
+                <a:cs typeface="Arial"/>
+                <a:sym typeface="Arial"/>
+              </a:rPr>
+              <a:t> trips in </a:t>
+            </a:r>
+            <a:r>
+              <a:rPr b="1" lang="en" sz="1500" u="sng">
+                <a:solidFill>
+                  <a:schemeClr val="lt1"/>
+                </a:solidFill>
+                <a:latin typeface="Arial"/>
+                <a:ea typeface="Arial"/>
+                <a:cs typeface="Arial"/>
+                <a:sym typeface="Arial"/>
+              </a:rPr>
+              <a:t>2020</a:t>
+            </a:r>
+            <a:endParaRPr b="1" sz="1500" u="sng">
               <a:solidFill>
                 <a:schemeClr val="lt1"/>
               </a:solidFill>
@@ -16560,6 +17056,29 @@
               <a:t/>
             </a:r>
             <a:endParaRPr sz="1500">
+              <a:solidFill>
+                <a:schemeClr val="lt1"/>
+              </a:solidFill>
+              <a:latin typeface="Arial"/>
+              <a:ea typeface="Arial"/>
+              <a:cs typeface="Arial"/>
+              <a:sym typeface="Arial"/>
+            </a:endParaRPr>
+          </a:p>
+          <a:p>
+            <a:pPr indent="0" lvl="0" marL="457200" rtl="0" algn="l">
+              <a:spcBef>
+                <a:spcPts val="0"/>
+              </a:spcBef>
+              <a:spcAft>
+                <a:spcPts val="0"/>
+              </a:spcAft>
+              <a:buNone/>
+            </a:pPr>
+            <a:r>
+              <a:t/>
+            </a:r>
+            <a:endParaRPr b="1" sz="1500" u="sng">
               <a:solidFill>
                 <a:schemeClr val="lt1"/>
               </a:solidFill>
@@ -16591,7 +17110,7 @@
     </p:bg>
     <p:spTree>
       <p:nvGrpSpPr>
-        <p:cNvPr id="343" name="Shape 343"/>
+        <p:cNvPr id="344" name="Shape 344"/>
         <p:cNvGrpSpPr/>
         <p:nvPr/>
       </p:nvGrpSpPr>
@@ -16605,7 +17124,200 @@
       </p:grpSpPr>
       <p:sp>
         <p:nvSpPr>
-          <p:cNvPr id="344" name="Google Shape;344;p23"/>
+          <p:cNvPr id="345" name="Google Shape;345;p23"/>
+          <p:cNvSpPr txBox="1"/>
+          <p:nvPr>
+            <p:ph type="title"/>
+          </p:nvPr>
+        </p:nvSpPr>
+        <p:spPr>
+          <a:xfrm>
+            <a:off x="0" y="249250"/>
+            <a:ext cx="9144000" cy="738600"/>
+          </a:xfrm>
+          <a:prstGeom prst="rect">
+            <a:avLst/>
+          </a:prstGeom>
+        </p:spPr>
+        <p:txBody>
+          <a:bodyPr anchorCtr="0" anchor="t" bIns="91425" lIns="91425" spcFirstLastPara="1" rIns="91425" wrap="square" tIns="91425">
+            <a:noAutofit/>
+          </a:bodyPr>
+          <a:lstStyle/>
+          <a:p>
+            <a:pPr indent="457200" lvl="0" marL="0" rtl="0" algn="l">
+              <a:lnSpc>
+                <a:spcPct val="115000"/>
+              </a:lnSpc>
+              <a:spcBef>
+                <a:spcPts val="0"/>
+              </a:spcBef>
+              <a:spcAft>
+                <a:spcPts val="1200"/>
+              </a:spcAft>
+              <a:buNone/>
+            </a:pPr>
+            <a:r>
+              <a:rPr lang="en" sz="3200">
+                <a:solidFill>
+                  <a:schemeClr val="lt1"/>
+                </a:solidFill>
+                <a:latin typeface="Nunito"/>
+                <a:ea typeface="Nunito"/>
+                <a:cs typeface="Nunito"/>
+                <a:sym typeface="Nunito"/>
+              </a:rPr>
+              <a:t>Next Actions</a:t>
+            </a:r>
+            <a:endParaRPr sz="3200"/>
+          </a:p>
+        </p:txBody>
+      </p:sp>
+      <p:sp>
+        <p:nvSpPr>
+          <p:cNvPr id="346" name="Google Shape;346;p23"/>
+          <p:cNvSpPr txBox="1"/>
+          <p:nvPr>
+            <p:ph idx="1" type="body"/>
+          </p:nvPr>
+        </p:nvSpPr>
+        <p:spPr>
+          <a:xfrm>
+            <a:off x="305900" y="1210300"/>
+            <a:ext cx="5664600" cy="3672600"/>
+          </a:xfrm>
+          <a:prstGeom prst="rect">
+            <a:avLst/>
+          </a:prstGeom>
+        </p:spPr>
+        <p:txBody>
+          <a:bodyPr anchorCtr="0" anchor="t" bIns="91425" lIns="91425" spcFirstLastPara="1" rIns="91425" wrap="square" tIns="91425">
+            <a:noAutofit/>
+          </a:bodyPr>
+          <a:lstStyle/>
+          <a:p>
+            <a:pPr indent="-323850" lvl="0" marL="457200" rtl="0" algn="l">
+              <a:spcBef>
+                <a:spcPts val="0"/>
+              </a:spcBef>
+              <a:spcAft>
+                <a:spcPts val="0"/>
+              </a:spcAft>
+              <a:buClr>
+                <a:schemeClr val="lt1"/>
+              </a:buClr>
+              <a:buSzPts val="1500"/>
+              <a:buFont typeface="Arial"/>
+              <a:buChar char="●"/>
+            </a:pPr>
+            <a:r>
+              <a:rPr lang="en" sz="1500">
+                <a:solidFill>
+                  <a:schemeClr val="lt1"/>
+                </a:solidFill>
+                <a:latin typeface="Arial"/>
+                <a:ea typeface="Arial"/>
+                <a:cs typeface="Arial"/>
+                <a:sym typeface="Arial"/>
+              </a:rPr>
+              <a:t>Time to review and discuss presented information </a:t>
+            </a:r>
+            <a:endParaRPr sz="1500">
+              <a:solidFill>
+                <a:schemeClr val="lt1"/>
+              </a:solidFill>
+              <a:latin typeface="Arial"/>
+              <a:ea typeface="Arial"/>
+              <a:cs typeface="Arial"/>
+              <a:sym typeface="Arial"/>
+            </a:endParaRPr>
+          </a:p>
+          <a:p>
+            <a:pPr indent="-323850" lvl="0" marL="457200" rtl="0" algn="l">
+              <a:spcBef>
+                <a:spcPts val="0"/>
+              </a:spcBef>
+              <a:spcAft>
+                <a:spcPts val="0"/>
+              </a:spcAft>
+              <a:buClr>
+                <a:schemeClr val="lt1"/>
+              </a:buClr>
+              <a:buSzPts val="1500"/>
+              <a:buFont typeface="Arial"/>
+              <a:buChar char="●"/>
+            </a:pPr>
+            <a:r>
+              <a:rPr lang="en" sz="1500">
+                <a:solidFill>
+                  <a:schemeClr val="lt1"/>
+                </a:solidFill>
+                <a:latin typeface="Arial"/>
+                <a:ea typeface="Arial"/>
+                <a:cs typeface="Arial"/>
+                <a:sym typeface="Arial"/>
+              </a:rPr>
+              <a:t>Follow-up </a:t>
+            </a:r>
+            <a:r>
+              <a:rPr lang="en" sz="1500">
+                <a:solidFill>
+                  <a:schemeClr val="lt1"/>
+                </a:solidFill>
+                <a:latin typeface="Arial"/>
+                <a:ea typeface="Arial"/>
+                <a:cs typeface="Arial"/>
+                <a:sym typeface="Arial"/>
+              </a:rPr>
+              <a:t>meeting</a:t>
+            </a:r>
+            <a:endParaRPr sz="1500">
+              <a:solidFill>
+                <a:schemeClr val="lt1"/>
+              </a:solidFill>
+              <a:latin typeface="Arial"/>
+              <a:ea typeface="Arial"/>
+              <a:cs typeface="Arial"/>
+              <a:sym typeface="Arial"/>
+            </a:endParaRPr>
+          </a:p>
+        </p:txBody>
+      </p:sp>
+    </p:spTree>
+  </p:cSld>
+  <p:clrMapOvr>
+    <a:masterClrMapping/>
+  </p:clrMapOvr>
+</p:sld>
+</file>
+
+<file path=ppt/slides/slide12.xml><?xml version="1.0" encoding="utf-8"?>
+<p:sld xmlns:a="http://schemas.openxmlformats.org/drawingml/2006/main" xmlns:r="http://schemas.openxmlformats.org/officeDocument/2006/relationships" xmlns:mc="http://schemas.openxmlformats.org/markup-compatibility/2006" xmlns:mv="urn:schemas-microsoft-com:mac:vml" xmlns:p="http://schemas.openxmlformats.org/presentationml/2006/main" xmlns:c="http://schemas.openxmlformats.org/drawingml/2006/chart" xmlns:dgm="http://schemas.openxmlformats.org/drawingml/2006/diagram" xmlns:o="urn:schemas-microsoft-com:office:office" xmlns:v="urn:schemas-microsoft-com:vml" xmlns:pvml="urn:schemas-microsoft-com:office:powerpoint" xmlns:com="http://schemas.openxmlformats.org/drawingml/2006/compatibility" xmlns:p14="http://schemas.microsoft.com/office/powerpoint/2010/main" xmlns:p15="http://schemas.microsoft.com/office/powerpoint/2012/main" xmlns:ahyp="http://schemas.microsoft.com/office/drawing/2018/hyperlinkcolor">
+  <p:cSld>
+    <p:bg>
+      <p:bgPr>
+        <a:solidFill>
+          <a:schemeClr val="accent3"/>
+        </a:solidFill>
+      </p:bgPr>
+    </p:bg>
+    <p:spTree>
+      <p:nvGrpSpPr>
+        <p:cNvPr id="350" name="Shape 350"/>
+        <p:cNvGrpSpPr/>
+        <p:nvPr/>
+      </p:nvGrpSpPr>
+      <p:grpSpPr>
+        <a:xfrm>
+          <a:off x="0" y="0"/>
+          <a:ext cx="0" cy="0"/>
+          <a:chOff x="0" y="0"/>
+          <a:chExt cx="0" cy="0"/>
+        </a:xfrm>
+      </p:grpSpPr>
+      <p:sp>
+        <p:nvSpPr>
+          <p:cNvPr id="351" name="Google Shape;351;p24"/>
           <p:cNvSpPr txBox="1"/>
           <p:nvPr>
             <p:ph type="title"/>
@@ -16656,7 +17368,7 @@
       </p:sp>
       <p:sp>
         <p:nvSpPr>
-          <p:cNvPr id="345" name="Google Shape;345;p23"/>
+          <p:cNvPr id="352" name="Google Shape;352;p24"/>
           <p:cNvSpPr txBox="1"/>
           <p:nvPr>
             <p:ph idx="1" type="body"/>
@@ -16701,7 +17413,7 @@
                 <a:cs typeface="Arial"/>
                 <a:sym typeface="Arial"/>
               </a:rPr>
-              <a:t>Project Plan and Execution Documentation </a:t>
+              <a:t>Project plan and execution Documentation </a:t>
             </a:r>
             <a:r>
               <a:rPr lang="en" sz="1500" u="sng">
@@ -16927,7 +17639,7 @@
         </p:spPr>
         <p:txBody>
           <a:bodyPr anchorCtr="0" anchor="t" bIns="91425" lIns="91425" spcFirstLastPara="1" rIns="91425" wrap="square" tIns="91425">
-            <a:normAutofit/>
+            <a:normAutofit lnSpcReduction="20000"/>
           </a:bodyPr>
           <a:lstStyle/>
           <a:p>
@@ -16950,7 +17662,7 @@
                   <a:schemeClr val="lt1"/>
                 </a:solidFill>
               </a:rPr>
-              <a:t>Why do we need a new marketing </a:t>
+              <a:t>N</a:t>
             </a:r>
             <a:r>
               <a:rPr lang="en" sz="1500">
@@ -16958,7 +17670,15 @@
                   <a:schemeClr val="lt1"/>
                 </a:solidFill>
               </a:rPr>
-              <a:t>strategy?</a:t>
+              <a:t>ew email marketing </a:t>
+            </a:r>
+            <a:r>
+              <a:rPr lang="en" sz="1500">
+                <a:solidFill>
+                  <a:schemeClr val="lt1"/>
+                </a:solidFill>
+              </a:rPr>
+              <a:t>campaign</a:t>
             </a:r>
             <a:endParaRPr sz="1500">
               <a:solidFill>
@@ -16986,7 +17706,7 @@
                   <a:schemeClr val="lt1"/>
                 </a:solidFill>
               </a:rPr>
-              <a:t>How are we going to </a:t>
+              <a:t>Annual m</a:t>
             </a:r>
             <a:r>
               <a:rPr lang="en" sz="1500">
@@ -16994,7 +17714,7 @@
                   <a:schemeClr val="lt1"/>
                 </a:solidFill>
               </a:rPr>
-              <a:t>design</a:t>
+              <a:t>ember</a:t>
             </a:r>
             <a:r>
               <a:rPr lang="en" sz="1500">
@@ -17002,7 +17722,7 @@
                   <a:schemeClr val="lt1"/>
                 </a:solidFill>
               </a:rPr>
-              <a:t> our </a:t>
+              <a:t> customer </a:t>
             </a:r>
             <a:r>
               <a:rPr lang="en" sz="1500">
@@ -17010,15 +17730,7 @@
                   <a:schemeClr val="lt1"/>
                 </a:solidFill>
               </a:rPr>
-              <a:t>strategy</a:t>
-            </a:r>
-            <a:r>
-              <a:rPr lang="en" sz="1500">
-                <a:solidFill>
-                  <a:schemeClr val="lt1"/>
-                </a:solidFill>
-              </a:rPr>
-              <a:t>?</a:t>
+              <a:t>profile</a:t>
             </a:r>
             <a:endParaRPr sz="1500">
               <a:solidFill>
@@ -17119,6 +17831,34 @@
             </a:endParaRPr>
           </a:p>
           <a:p>
+            <a:pPr indent="-323850" lvl="1" marL="914400" rtl="0" algn="l">
+              <a:spcBef>
+                <a:spcPts val="0"/>
+              </a:spcBef>
+              <a:spcAft>
+                <a:spcPts val="0"/>
+              </a:spcAft>
+              <a:buClr>
+                <a:schemeClr val="lt1"/>
+              </a:buClr>
+              <a:buSzPts val="1500"/>
+              <a:buAutoNum type="alphaLcPeriod"/>
+            </a:pPr>
+            <a:r>
+              <a:rPr lang="en" sz="1500">
+                <a:solidFill>
+                  <a:schemeClr val="lt1"/>
+                </a:solidFill>
+              </a:rPr>
+              <a:t>Day of the Week</a:t>
+            </a:r>
+            <a:endParaRPr sz="1500">
+              <a:solidFill>
+                <a:schemeClr val="lt1"/>
+              </a:solidFill>
+            </a:endParaRPr>
+          </a:p>
+          <a:p>
             <a:pPr indent="-323850" lvl="0" marL="457200" rtl="0" algn="l">
               <a:spcBef>
                 <a:spcPts val="0"/>
@@ -17138,7 +17878,15 @@
                   <a:schemeClr val="lt1"/>
                 </a:solidFill>
               </a:rPr>
-              <a:t>What do we need to do?</a:t>
+              <a:t>Casual Customer </a:t>
+            </a:r>
+            <a:r>
+              <a:rPr lang="en" sz="1500">
+                <a:solidFill>
+                  <a:schemeClr val="lt1"/>
+                </a:solidFill>
+              </a:rPr>
+              <a:t>Opportunity</a:t>
             </a:r>
             <a:endParaRPr sz="1500">
               <a:solidFill>
@@ -17166,23 +17914,7 @@
                   <a:schemeClr val="lt1"/>
                 </a:solidFill>
               </a:rPr>
-              <a:t>How will we </a:t>
-            </a:r>
-            <a:r>
-              <a:rPr lang="en" sz="1500">
-                <a:solidFill>
-                  <a:schemeClr val="lt1"/>
-                </a:solidFill>
-              </a:rPr>
-              <a:t>measure</a:t>
-            </a:r>
-            <a:r>
-              <a:rPr lang="en" sz="1500">
-                <a:solidFill>
-                  <a:schemeClr val="lt1"/>
-                </a:solidFill>
-              </a:rPr>
-              <a:t> our success?</a:t>
+              <a:t>Key Result</a:t>
             </a:r>
             <a:endParaRPr sz="1500">
               <a:solidFill>
@@ -17303,7 +18035,7 @@
           </a:bodyPr>
           <a:lstStyle/>
           <a:p>
-            <a:pPr indent="0" lvl="0" marL="0" rtl="0" algn="ctr">
+            <a:pPr indent="457200" lvl="0" marL="0" rtl="0" algn="l">
               <a:lnSpc>
                 <a:spcPct val="115000"/>
               </a:lnSpc>
@@ -17325,7 +18057,19 @@
                 <a:cs typeface="Nunito"/>
                 <a:sym typeface="Nunito"/>
               </a:rPr>
-              <a:t>Why do we need a new marketing strategy?</a:t>
+              <a:t>New marketing </a:t>
+            </a:r>
+            <a:r>
+              <a:rPr lang="en" sz="3200">
+                <a:solidFill>
+                  <a:schemeClr val="lt1"/>
+                </a:solidFill>
+                <a:latin typeface="Nunito"/>
+                <a:ea typeface="Nunito"/>
+                <a:cs typeface="Nunito"/>
+                <a:sym typeface="Nunito"/>
+              </a:rPr>
+              <a:t>campaign</a:t>
             </a:r>
             <a:endParaRPr sz="3200"/>
           </a:p>
@@ -17558,39 +18302,7 @@
                 <a:cs typeface="Arial"/>
                 <a:sym typeface="Arial"/>
               </a:rPr>
-              <a:t>In order to grow company profits we need to </a:t>
-            </a:r>
-            <a:endParaRPr sz="1500">
-              <a:solidFill>
-                <a:schemeClr val="lt1"/>
-              </a:solidFill>
-              <a:latin typeface="Arial"/>
-              <a:ea typeface="Arial"/>
-              <a:cs typeface="Arial"/>
-              <a:sym typeface="Arial"/>
-            </a:endParaRPr>
-          </a:p>
-          <a:p>
-            <a:pPr indent="0" lvl="0" marL="457200" rtl="0" algn="l">
-              <a:spcBef>
-                <a:spcPts val="0"/>
-              </a:spcBef>
-              <a:spcAft>
-                <a:spcPts val="0"/>
-              </a:spcAft>
-              <a:buNone/>
-            </a:pPr>
-            <a:r>
-              <a:rPr lang="en" sz="1500">
-                <a:solidFill>
-                  <a:schemeClr val="lt1"/>
-                </a:solidFill>
-                <a:latin typeface="Arial"/>
-                <a:ea typeface="Arial"/>
-                <a:cs typeface="Arial"/>
-                <a:sym typeface="Arial"/>
-              </a:rPr>
-              <a:t>convert casual riders into annual members</a:t>
+              <a:t>Number of rides in 2019 by annual members increased only 0.39% vs 2018</a:t>
             </a:r>
             <a:endParaRPr sz="1500">
               <a:solidFill>
@@ -17650,19 +18362,7 @@
                 <a:cs typeface="Arial"/>
                 <a:sym typeface="Arial"/>
               </a:rPr>
-              <a:t>We need to understand how </a:t>
-            </a:r>
-            <a:r>
-              <a:rPr lang="en" sz="1500">
-                <a:solidFill>
-                  <a:schemeClr val="lt1"/>
-                </a:solidFill>
-                <a:latin typeface="Arial"/>
-                <a:ea typeface="Arial"/>
-                <a:cs typeface="Arial"/>
-                <a:sym typeface="Arial"/>
-              </a:rPr>
-              <a:t>annual members</a:t>
+              <a:t>In order to grow company profits we need to </a:t>
             </a:r>
             <a:endParaRPr sz="1500">
               <a:solidFill>
@@ -17694,7 +18394,111 @@
                 <a:cs typeface="Arial"/>
                 <a:sym typeface="Arial"/>
               </a:rPr>
-              <a:t>use Cyclistic bikes service</a:t>
+              <a:t>convert casual riders into annual members</a:t>
+            </a:r>
+            <a:endParaRPr sz="1500">
+              <a:solidFill>
+                <a:schemeClr val="lt1"/>
+              </a:solidFill>
+              <a:latin typeface="Arial"/>
+              <a:ea typeface="Arial"/>
+              <a:cs typeface="Arial"/>
+              <a:sym typeface="Arial"/>
+            </a:endParaRPr>
+          </a:p>
+          <a:p>
+            <a:pPr indent="0" lvl="0" marL="457200" rtl="0" algn="l">
+              <a:spcBef>
+                <a:spcPts val="0"/>
+              </a:spcBef>
+              <a:spcAft>
+                <a:spcPts val="0"/>
+              </a:spcAft>
+              <a:buNone/>
+            </a:pPr>
+            <a:r>
+              <a:t/>
+            </a:r>
+            <a:endParaRPr sz="1500">
+              <a:solidFill>
+                <a:schemeClr val="lt1"/>
+              </a:solidFill>
+              <a:latin typeface="Arial"/>
+              <a:ea typeface="Arial"/>
+              <a:cs typeface="Arial"/>
+              <a:sym typeface="Arial"/>
+            </a:endParaRPr>
+          </a:p>
+          <a:p>
+            <a:pPr indent="-323850" lvl="0" marL="457200" rtl="0" algn="l">
+              <a:spcBef>
+                <a:spcPts val="0"/>
+              </a:spcBef>
+              <a:spcAft>
+                <a:spcPts val="0"/>
+              </a:spcAft>
+              <a:buClr>
+                <a:schemeClr val="lt1"/>
+              </a:buClr>
+              <a:buSzPts val="1500"/>
+              <a:buFont typeface="Arial"/>
+              <a:buChar char="●"/>
+            </a:pPr>
+            <a:r>
+              <a:rPr lang="en" sz="1500">
+                <a:solidFill>
+                  <a:schemeClr val="lt1"/>
+                </a:solidFill>
+                <a:latin typeface="Arial"/>
+                <a:ea typeface="Arial"/>
+                <a:cs typeface="Arial"/>
+                <a:sym typeface="Arial"/>
+              </a:rPr>
+              <a:t>We need to understand </a:t>
+            </a:r>
+            <a:r>
+              <a:rPr lang="en" sz="1500">
+                <a:solidFill>
+                  <a:schemeClr val="lt1"/>
+                </a:solidFill>
+                <a:latin typeface="Arial"/>
+                <a:ea typeface="Arial"/>
+                <a:cs typeface="Arial"/>
+                <a:sym typeface="Arial"/>
+              </a:rPr>
+              <a:t>how annual members</a:t>
+            </a:r>
+            <a:endParaRPr sz="1500">
+              <a:solidFill>
+                <a:schemeClr val="lt1"/>
+              </a:solidFill>
+              <a:latin typeface="Arial"/>
+              <a:ea typeface="Arial"/>
+              <a:cs typeface="Arial"/>
+              <a:sym typeface="Arial"/>
+            </a:endParaRPr>
+          </a:p>
+          <a:p>
+            <a:pPr indent="0" lvl="0" marL="457200" rtl="0" algn="l">
+              <a:spcBef>
+                <a:spcPts val="0"/>
+              </a:spcBef>
+              <a:spcAft>
+                <a:spcPts val="0"/>
+              </a:spcAft>
+              <a:buNone/>
+            </a:pPr>
+            <a:r>
+              <a:rPr lang="en" sz="1500">
+                <a:solidFill>
+                  <a:schemeClr val="lt1"/>
+                </a:solidFill>
+                <a:latin typeface="Arial"/>
+                <a:ea typeface="Arial"/>
+                <a:cs typeface="Arial"/>
+                <a:sym typeface="Arial"/>
+              </a:rPr>
+              <a:t>use our service</a:t>
             </a:r>
             <a:endParaRPr sz="1500">
               <a:solidFill>
@@ -17813,7 +18617,7 @@
                 <a:cs typeface="Nunito"/>
                 <a:sym typeface="Nunito"/>
               </a:rPr>
-              <a:t>How are we going to design our strategy?</a:t>
+              <a:t>Annual member customer profile</a:t>
             </a:r>
             <a:endParaRPr sz="3200"/>
           </a:p>
@@ -17950,7 +18754,7 @@
                 <a:cs typeface="Arial"/>
                 <a:sym typeface="Arial"/>
               </a:rPr>
-              <a:t>gender, age, trip duration </a:t>
+              <a:t>gender, age, trip duration and time</a:t>
             </a:r>
             <a:endParaRPr sz="1500">
               <a:solidFill>
@@ -18745,7 +19549,7 @@
                 <a:cs typeface="Nunito"/>
                 <a:sym typeface="Nunito"/>
               </a:rPr>
-              <a:t>Male </a:t>
+              <a:t>Annual </a:t>
             </a:r>
             <a:r>
               <a:rPr lang="en" sz="3200">
@@ -18757,7 +19561,19 @@
                 <a:cs typeface="Nunito"/>
                 <a:sym typeface="Nunito"/>
               </a:rPr>
-              <a:t>Annual Member Age</a:t>
+              <a:t>Male </a:t>
+            </a:r>
+            <a:r>
+              <a:rPr lang="en" sz="3200">
+                <a:solidFill>
+                  <a:schemeClr val="lt1"/>
+                </a:solidFill>
+                <a:latin typeface="Nunito"/>
+                <a:ea typeface="Nunito"/>
+                <a:cs typeface="Nunito"/>
+                <a:sym typeface="Nunito"/>
+              </a:rPr>
+              <a:t>Member Age</a:t>
             </a:r>
             <a:endParaRPr sz="3200"/>
           </a:p>
@@ -19007,7 +19823,31 @@
                 <a:cs typeface="Nunito"/>
                 <a:sym typeface="Nunito"/>
               </a:rPr>
-              <a:t>Male Annual Member Trip Duration</a:t>
+              <a:t>Annual </a:t>
+            </a:r>
+            <a:r>
+              <a:rPr lang="en" sz="3200">
+                <a:solidFill>
+                  <a:schemeClr val="lt1"/>
+                </a:solidFill>
+                <a:latin typeface="Nunito"/>
+                <a:ea typeface="Nunito"/>
+                <a:cs typeface="Nunito"/>
+                <a:sym typeface="Nunito"/>
+              </a:rPr>
+              <a:t>Male </a:t>
+            </a:r>
+            <a:r>
+              <a:rPr lang="en" sz="3200">
+                <a:solidFill>
+                  <a:schemeClr val="lt1"/>
+                </a:solidFill>
+                <a:latin typeface="Nunito"/>
+                <a:ea typeface="Nunito"/>
+                <a:cs typeface="Nunito"/>
+                <a:sym typeface="Nunito"/>
+              </a:rPr>
+              <a:t>Member Trip Duration</a:t>
             </a:r>
             <a:endParaRPr sz="3200">
               <a:solidFill>
@@ -19300,7 +20140,7 @@
                 <a:spcPts val="0"/>
               </a:spcBef>
               <a:spcAft>
-                <a:spcPts val="1200"/>
+                <a:spcPts val="0"/>
               </a:spcAft>
               <a:buNone/>
             </a:pPr>
@@ -19314,9 +20154,69 @@
                 <a:cs typeface="Nunito"/>
                 <a:sym typeface="Nunito"/>
               </a:rPr>
-              <a:t>What do we need to do?</a:t>
+              <a:t>Annual Male Member Trip Time</a:t>
             </a:r>
-            <a:endParaRPr sz="3200"/>
+            <a:endParaRPr sz="3200">
+              <a:solidFill>
+                <a:schemeClr val="lt1"/>
+              </a:solidFill>
+              <a:latin typeface="Nunito"/>
+              <a:ea typeface="Nunito"/>
+              <a:cs typeface="Nunito"/>
+              <a:sym typeface="Nunito"/>
+            </a:endParaRPr>
+          </a:p>
+          <a:p>
+            <a:pPr indent="457200" lvl="0" marL="0" rtl="0" algn="l">
+              <a:lnSpc>
+                <a:spcPct val="115000"/>
+              </a:lnSpc>
+              <a:spcBef>
+                <a:spcPts val="1200"/>
+              </a:spcBef>
+              <a:spcAft>
+                <a:spcPts val="0"/>
+              </a:spcAft>
+              <a:buNone/>
+            </a:pPr>
+            <a:r>
+              <a:t/>
+            </a:r>
+            <a:endParaRPr sz="3200">
+              <a:solidFill>
+                <a:schemeClr val="lt1"/>
+              </a:solidFill>
+              <a:latin typeface="Nunito"/>
+              <a:ea typeface="Nunito"/>
+              <a:cs typeface="Nunito"/>
+              <a:sym typeface="Nunito"/>
+            </a:endParaRPr>
+          </a:p>
+          <a:p>
+            <a:pPr indent="457200" lvl="0" marL="0" rtl="0" algn="l">
+              <a:lnSpc>
+                <a:spcPct val="115000"/>
+              </a:lnSpc>
+              <a:spcBef>
+                <a:spcPts val="1200"/>
+              </a:spcBef>
+              <a:spcAft>
+                <a:spcPts val="1200"/>
+              </a:spcAft>
+              <a:buNone/>
+            </a:pPr>
+            <a:r>
+              <a:t/>
+            </a:r>
+            <a:endParaRPr sz="3200">
+              <a:solidFill>
+                <a:schemeClr val="lt1"/>
+              </a:solidFill>
+              <a:latin typeface="Nunito"/>
+              <a:ea typeface="Nunito"/>
+              <a:cs typeface="Nunito"/>
+              <a:sym typeface="Nunito"/>
+            </a:endParaRPr>
           </a:p>
         </p:txBody>
       </p:sp>
@@ -19367,7 +20267,39 @@
                 <a:cs typeface="Arial"/>
                 <a:sym typeface="Arial"/>
               </a:rPr>
-              <a:t>The annual membership customer profile </a:t>
+              <a:t>Majority of trips on weekdays </a:t>
+            </a:r>
+            <a:endParaRPr sz="1500">
+              <a:solidFill>
+                <a:schemeClr val="lt1"/>
+              </a:solidFill>
+              <a:latin typeface="Arial"/>
+              <a:ea typeface="Arial"/>
+              <a:cs typeface="Arial"/>
+              <a:sym typeface="Arial"/>
+            </a:endParaRPr>
+          </a:p>
+          <a:p>
+            <a:pPr indent="457200" lvl="0" marL="0" rtl="0" algn="l">
+              <a:spcBef>
+                <a:spcPts val="0"/>
+              </a:spcBef>
+              <a:spcAft>
+                <a:spcPts val="0"/>
+              </a:spcAft>
+              <a:buNone/>
+            </a:pPr>
+            <a:r>
+              <a:rPr lang="en" sz="1500">
+                <a:solidFill>
+                  <a:schemeClr val="lt1"/>
+                </a:solidFill>
+                <a:latin typeface="Arial"/>
+                <a:ea typeface="Arial"/>
+                <a:cs typeface="Arial"/>
+                <a:sym typeface="Arial"/>
+              </a:rPr>
+              <a:t>from Monday until Friday</a:t>
             </a:r>
             <a:endParaRPr sz="1500">
               <a:solidFill>
@@ -19390,16 +20322,7 @@
               <a:buNone/>
             </a:pPr>
             <a:r>
-              <a:rPr lang="en" sz="1500">
-                <a:solidFill>
-                  <a:schemeClr val="lt1"/>
-                </a:solidFill>
-                <a:latin typeface="Arial"/>
-                <a:ea typeface="Arial"/>
-                <a:cs typeface="Arial"/>
-                <a:sym typeface="Arial"/>
-              </a:rPr>
-              <a:t>consists of:</a:t>
+              <a:t/>
             </a:r>
             <a:endParaRPr sz="1500">
               <a:solidFill>
@@ -19412,105 +20335,17 @@
             </a:endParaRPr>
           </a:p>
           <a:p>
-            <a:pPr indent="-323850" lvl="0" marL="914400" rtl="0" algn="l">
-              <a:spcBef>
-                <a:spcPts val="0"/>
-              </a:spcBef>
-              <a:spcAft>
-                <a:spcPts val="0"/>
-              </a:spcAft>
-              <a:buClr>
-                <a:schemeClr val="lt1"/>
-              </a:buClr>
-              <a:buSzPts val="1500"/>
-              <a:buFont typeface="Arial"/>
-              <a:buChar char="●"/>
+            <a:pPr indent="0" lvl="0" marL="0" rtl="0" algn="l">
+              <a:spcBef>
+                <a:spcPts val="0"/>
+              </a:spcBef>
+              <a:spcAft>
+                <a:spcPts val="0"/>
+              </a:spcAft>
+              <a:buNone/>
             </a:pPr>
             <a:r>
-              <a:rPr lang="en" sz="1500">
-                <a:solidFill>
-                  <a:schemeClr val="lt1"/>
-                </a:solidFill>
-                <a:latin typeface="Arial"/>
-                <a:ea typeface="Arial"/>
-                <a:cs typeface="Arial"/>
-                <a:sym typeface="Arial"/>
-              </a:rPr>
-              <a:t>Male riders</a:t>
-            </a:r>
-            <a:endParaRPr sz="1500">
-              <a:solidFill>
-                <a:schemeClr val="lt1"/>
-              </a:solidFill>
-              <a:latin typeface="Arial"/>
-              <a:ea typeface="Arial"/>
-              <a:cs typeface="Arial"/>
-              <a:sym typeface="Arial"/>
-            </a:endParaRPr>
-          </a:p>
-          <a:p>
-            <a:pPr indent="-323850" lvl="0" marL="914400" rtl="0" algn="l">
-              <a:spcBef>
-                <a:spcPts val="0"/>
-              </a:spcBef>
-              <a:spcAft>
-                <a:spcPts val="0"/>
-              </a:spcAft>
-              <a:buClr>
-                <a:schemeClr val="lt1"/>
-              </a:buClr>
-              <a:buSzPts val="1500"/>
-              <a:buFont typeface="Arial"/>
-              <a:buChar char="●"/>
-            </a:pPr>
-            <a:r>
-              <a:rPr lang="en" sz="1500">
-                <a:solidFill>
-                  <a:schemeClr val="lt1"/>
-                </a:solidFill>
-                <a:latin typeface="Arial"/>
-                <a:ea typeface="Arial"/>
-                <a:cs typeface="Arial"/>
-                <a:sym typeface="Arial"/>
-              </a:rPr>
-              <a:t>Age between 26 and 40</a:t>
-            </a:r>
-            <a:endParaRPr sz="1500">
-              <a:solidFill>
-                <a:schemeClr val="lt1"/>
-              </a:solidFill>
-              <a:latin typeface="Arial"/>
-              <a:ea typeface="Arial"/>
-              <a:cs typeface="Arial"/>
-              <a:sym typeface="Arial"/>
-            </a:endParaRPr>
-          </a:p>
-          <a:p>
-            <a:pPr indent="-323850" lvl="0" marL="914400" rtl="0" algn="l">
-              <a:spcBef>
-                <a:spcPts val="0"/>
-              </a:spcBef>
-              <a:spcAft>
-                <a:spcPts val="0"/>
-              </a:spcAft>
-              <a:buClr>
-                <a:schemeClr val="lt1"/>
-              </a:buClr>
-              <a:buSzPts val="1500"/>
-              <a:buFont typeface="Arial"/>
-              <a:buChar char="●"/>
-            </a:pPr>
-            <a:r>
-              <a:rPr lang="en" sz="1500">
-                <a:solidFill>
-                  <a:schemeClr val="lt1"/>
-                </a:solidFill>
-                <a:latin typeface="Arial"/>
-                <a:ea typeface="Arial"/>
-                <a:cs typeface="Arial"/>
-                <a:sym typeface="Arial"/>
-              </a:rPr>
-              <a:t>Ride between 1 min and 16 mins</a:t>
+              <a:t/>
             </a:r>
             <a:endParaRPr sz="1500">
               <a:solidFill>
@@ -19534,43 +20369,6 @@
             </a:pPr>
             <a:r>
               <a:t/>
-            </a:r>
-            <a:endParaRPr sz="1500">
-              <a:solidFill>
-                <a:schemeClr val="lt1"/>
-              </a:solidFill>
-              <a:latin typeface="Arial"/>
-              <a:ea typeface="Arial"/>
-              <a:cs typeface="Arial"/>
-              <a:sym typeface="Arial"/>
-            </a:endParaRPr>
-          </a:p>
-          <a:p>
-            <a:pPr indent="-323850" lvl="0" marL="457200" rtl="0" algn="l">
-              <a:spcBef>
-                <a:spcPts val="0"/>
-              </a:spcBef>
-              <a:spcAft>
-                <a:spcPts val="0"/>
-              </a:spcAft>
-              <a:buClr>
-                <a:schemeClr val="lt1"/>
-              </a:buClr>
-              <a:buSzPts val="1500"/>
-              <a:buFont typeface="Arial"/>
-              <a:buChar char="●"/>
-            </a:pPr>
-            <a:r>
-              <a:rPr lang="en" sz="1500">
-                <a:solidFill>
-                  <a:schemeClr val="lt1"/>
-                </a:solidFill>
-                <a:latin typeface="Arial"/>
-                <a:ea typeface="Arial"/>
-                <a:cs typeface="Arial"/>
-                <a:sym typeface="Arial"/>
-              </a:rPr>
-              <a:t>Casual rider data indicates that 56240 trips were made in 2019 (16%) with the same customer profile</a:t>
             </a:r>
             <a:endParaRPr sz="1500">
               <a:solidFill>
@@ -19600,64 +20398,8 @@
         </p:blipFill>
         <p:spPr>
           <a:xfrm>
-            <a:off x="6459575" y="189375"/>
-            <a:ext cx="2535075" cy="1567538"/>
-          </a:xfrm>
-          <a:prstGeom prst="rect">
-            <a:avLst/>
-          </a:prstGeom>
-          <a:noFill/>
-          <a:ln>
-            <a:noFill/>
-          </a:ln>
-        </p:spPr>
-      </p:pic>
-      <p:pic>
-        <p:nvPicPr>
-          <p:cNvPr id="326" name="Google Shape;326;p20" title="Chart"/>
-          <p:cNvPicPr preferRelativeResize="0"/>
-          <p:nvPr/>
-        </p:nvPicPr>
-        <p:blipFill>
-          <a:blip r:embed="rId4">
-            <a:alphaModFix/>
-          </a:blip>
-          <a:stretch>
-            <a:fillRect/>
-          </a:stretch>
-        </p:blipFill>
-        <p:spPr>
-          <a:xfrm>
-            <a:off x="6459575" y="1837377"/>
-            <a:ext cx="2535075" cy="1567538"/>
-          </a:xfrm>
-          <a:prstGeom prst="rect">
-            <a:avLst/>
-          </a:prstGeom>
-          <a:noFill/>
-          <a:ln>
-            <a:noFill/>
-          </a:ln>
-        </p:spPr>
-      </p:pic>
-      <p:pic>
-        <p:nvPicPr>
-          <p:cNvPr id="327" name="Google Shape;327;p20" title="Chart"/>
-          <p:cNvPicPr preferRelativeResize="0"/>
-          <p:nvPr/>
-        </p:nvPicPr>
-        <p:blipFill>
-          <a:blip r:embed="rId5">
-            <a:alphaModFix/>
-          </a:blip>
-          <a:stretch>
-            <a:fillRect/>
-          </a:stretch>
-        </p:blipFill>
-        <p:spPr>
-          <a:xfrm>
-            <a:off x="6459575" y="3485375"/>
-            <a:ext cx="2535075" cy="1567499"/>
+            <a:off x="3923575" y="1256500"/>
+            <a:ext cx="5041501" cy="3119932"/>
           </a:xfrm>
           <a:prstGeom prst="rect">
             <a:avLst/>
@@ -19688,7 +20430,7 @@
     </p:bg>
     <p:spTree>
       <p:nvGrpSpPr>
-        <p:cNvPr id="331" name="Shape 331"/>
+        <p:cNvPr id="329" name="Shape 329"/>
         <p:cNvGrpSpPr/>
         <p:nvPr/>
       </p:nvGrpSpPr>
@@ -19702,7 +20444,7 @@
       </p:grpSpPr>
       <p:sp>
         <p:nvSpPr>
-          <p:cNvPr id="332" name="Google Shape;332;p21"/>
+          <p:cNvPr id="330" name="Google Shape;330;p21"/>
           <p:cNvSpPr txBox="1"/>
           <p:nvPr>
             <p:ph type="title"/>
@@ -19711,7 +20453,7 @@
         <p:spPr>
           <a:xfrm>
             <a:off x="0" y="249250"/>
-            <a:ext cx="9144000" cy="738600"/>
+            <a:ext cx="6459600" cy="738600"/>
           </a:xfrm>
           <a:prstGeom prst="rect">
             <a:avLst/>
@@ -19745,7 +20487,7 @@
                 <a:cs typeface="Nunito"/>
                 <a:sym typeface="Nunito"/>
               </a:rPr>
-              <a:t>How will we measure our success?</a:t>
+              <a:t>Casual Customer Opportunity </a:t>
             </a:r>
             <a:endParaRPr sz="3200"/>
           </a:p>
@@ -19753,7 +20495,7 @@
       </p:sp>
       <p:sp>
         <p:nvSpPr>
-          <p:cNvPr id="333" name="Google Shape;333;p21"/>
+          <p:cNvPr id="331" name="Google Shape;331;p21"/>
           <p:cNvSpPr txBox="1"/>
           <p:nvPr>
             <p:ph idx="1" type="body"/>
@@ -19762,7 +20504,7 @@
         <p:spPr>
           <a:xfrm>
             <a:off x="305900" y="1210300"/>
-            <a:ext cx="5800500" cy="3672600"/>
+            <a:ext cx="5041500" cy="3672600"/>
           </a:xfrm>
           <a:prstGeom prst="rect">
             <a:avLst/>
@@ -19798,141 +20540,7 @@
                 <a:cs typeface="Arial"/>
                 <a:sym typeface="Arial"/>
               </a:rPr>
-              <a:t>By creating new targeted marketing </a:t>
-            </a:r>
-            <a:r>
-              <a:rPr lang="en" sz="1500">
-                <a:solidFill>
-                  <a:schemeClr val="lt1"/>
-                </a:solidFill>
-                <a:latin typeface="Arial"/>
-                <a:ea typeface="Arial"/>
-                <a:cs typeface="Arial"/>
-                <a:sym typeface="Arial"/>
-              </a:rPr>
-              <a:t>campaign</a:t>
-            </a:r>
-            <a:r>
-              <a:rPr lang="en" sz="1500">
-                <a:solidFill>
-                  <a:schemeClr val="lt1"/>
-                </a:solidFill>
-                <a:latin typeface="Arial"/>
-                <a:ea typeface="Arial"/>
-                <a:cs typeface="Arial"/>
-                <a:sym typeface="Arial"/>
-              </a:rPr>
-              <a:t> we can convert:</a:t>
-            </a:r>
-            <a:endParaRPr sz="1500">
-              <a:solidFill>
-                <a:schemeClr val="lt1"/>
-              </a:solidFill>
-              <a:latin typeface="Arial"/>
-              <a:ea typeface="Arial"/>
-              <a:cs typeface="Arial"/>
-              <a:sym typeface="Arial"/>
-            </a:endParaRPr>
-          </a:p>
-          <a:p>
-            <a:pPr indent="-323850" lvl="1" marL="914400" rtl="0" algn="l">
-              <a:spcBef>
-                <a:spcPts val="0"/>
-              </a:spcBef>
-              <a:spcAft>
-                <a:spcPts val="0"/>
-              </a:spcAft>
-              <a:buClr>
-                <a:schemeClr val="lt1"/>
-              </a:buClr>
-              <a:buSzPts val="1500"/>
-              <a:buFont typeface="Arial"/>
-              <a:buChar char="○"/>
-            </a:pPr>
-            <a:r>
-              <a:rPr lang="en" sz="1500">
-                <a:solidFill>
-                  <a:schemeClr val="lt1"/>
-                </a:solidFill>
-                <a:latin typeface="Arial"/>
-                <a:ea typeface="Arial"/>
-                <a:cs typeface="Arial"/>
-                <a:sym typeface="Arial"/>
-              </a:rPr>
-              <a:t>26% of male </a:t>
-            </a:r>
-            <a:r>
-              <a:rPr lang="en" sz="1500">
-                <a:solidFill>
-                  <a:schemeClr val="lt1"/>
-                </a:solidFill>
-                <a:latin typeface="Arial"/>
-                <a:ea typeface="Arial"/>
-                <a:cs typeface="Arial"/>
-                <a:sym typeface="Arial"/>
-              </a:rPr>
-              <a:t>casual</a:t>
-            </a:r>
-            <a:r>
-              <a:rPr lang="en" sz="1500">
-                <a:solidFill>
-                  <a:schemeClr val="lt1"/>
-                </a:solidFill>
-                <a:latin typeface="Arial"/>
-                <a:ea typeface="Arial"/>
-                <a:cs typeface="Arial"/>
-                <a:sym typeface="Arial"/>
-              </a:rPr>
-              <a:t> rider trips into annual </a:t>
-            </a:r>
-            <a:r>
-              <a:rPr lang="en" sz="1500">
-                <a:solidFill>
-                  <a:schemeClr val="lt1"/>
-                </a:solidFill>
-                <a:latin typeface="Arial"/>
-                <a:ea typeface="Arial"/>
-                <a:cs typeface="Arial"/>
-                <a:sym typeface="Arial"/>
-              </a:rPr>
-              <a:t>membership</a:t>
-            </a:r>
-            <a:endParaRPr sz="1500">
-              <a:solidFill>
-                <a:schemeClr val="lt1"/>
-              </a:solidFill>
-              <a:latin typeface="Arial"/>
-              <a:ea typeface="Arial"/>
-              <a:cs typeface="Arial"/>
-              <a:sym typeface="Arial"/>
-            </a:endParaRPr>
-          </a:p>
-          <a:p>
-            <a:pPr indent="-323850" lvl="1" marL="914400" rtl="0" algn="l">
-              <a:spcBef>
-                <a:spcPts val="0"/>
-              </a:spcBef>
-              <a:spcAft>
-                <a:spcPts val="0"/>
-              </a:spcAft>
-              <a:buClr>
-                <a:schemeClr val="lt1"/>
-              </a:buClr>
-              <a:buSzPts val="1500"/>
-              <a:buFont typeface="Arial"/>
-              <a:buChar char="○"/>
-            </a:pPr>
-            <a:r>
-              <a:rPr lang="en" sz="1500">
-                <a:solidFill>
-                  <a:schemeClr val="lt1"/>
-                </a:solidFill>
-                <a:latin typeface="Arial"/>
-                <a:ea typeface="Arial"/>
-                <a:cs typeface="Arial"/>
-                <a:sym typeface="Arial"/>
-              </a:rPr>
-              <a:t>Which is 16% of all trips made in 2019</a:t>
+              <a:t>The annual membership customer profile </a:t>
             </a:r>
             <a:endParaRPr sz="1500">
               <a:solidFill>
@@ -19955,7 +20563,16 @@
               <a:buNone/>
             </a:pPr>
             <a:r>
-              <a:t/>
+              <a:rPr lang="en" sz="1500">
+                <a:solidFill>
+                  <a:schemeClr val="lt1"/>
+                </a:solidFill>
+                <a:latin typeface="Arial"/>
+                <a:ea typeface="Arial"/>
+                <a:cs typeface="Arial"/>
+                <a:sym typeface="Arial"/>
+              </a:rPr>
+              <a:t>was created that consists of:</a:t>
             </a:r>
             <a:endParaRPr sz="1500">
               <a:solidFill>
@@ -19968,7 +20585,7 @@
             </a:endParaRPr>
           </a:p>
           <a:p>
-            <a:pPr indent="-323850" lvl="0" marL="457200" rtl="0" algn="l">
+            <a:pPr indent="-323850" lvl="0" marL="914400" rtl="0" algn="l">
               <a:spcBef>
                 <a:spcPts val="0"/>
               </a:spcBef>
@@ -19992,7 +20609,262 @@
                 <a:cs typeface="Arial"/>
                 <a:sym typeface="Arial"/>
               </a:rPr>
-              <a:t>That will increase profits by 10% in 2020</a:t>
+              <a:t>Male riders</a:t>
+            </a:r>
+            <a:endParaRPr sz="1500">
+              <a:solidFill>
+                <a:schemeClr val="lt1"/>
+              </a:solidFill>
+              <a:latin typeface="Arial"/>
+              <a:ea typeface="Arial"/>
+              <a:cs typeface="Arial"/>
+              <a:sym typeface="Arial"/>
+            </a:endParaRPr>
+          </a:p>
+          <a:p>
+            <a:pPr indent="-323850" lvl="0" marL="914400" rtl="0" algn="l">
+              <a:spcBef>
+                <a:spcPts val="0"/>
+              </a:spcBef>
+              <a:spcAft>
+                <a:spcPts val="0"/>
+              </a:spcAft>
+              <a:buClr>
+                <a:schemeClr val="lt1"/>
+              </a:buClr>
+              <a:buSzPts val="1500"/>
+              <a:buFont typeface="Arial"/>
+              <a:buChar char="●"/>
+            </a:pPr>
+            <a:r>
+              <a:rPr lang="en" sz="1500">
+                <a:solidFill>
+                  <a:schemeClr val="lt1"/>
+                </a:solidFill>
+                <a:latin typeface="Arial"/>
+                <a:ea typeface="Arial"/>
+                <a:cs typeface="Arial"/>
+                <a:sym typeface="Arial"/>
+              </a:rPr>
+              <a:t>Age between 26 and 40</a:t>
+            </a:r>
+            <a:endParaRPr sz="1500">
+              <a:solidFill>
+                <a:schemeClr val="lt1"/>
+              </a:solidFill>
+              <a:latin typeface="Arial"/>
+              <a:ea typeface="Arial"/>
+              <a:cs typeface="Arial"/>
+              <a:sym typeface="Arial"/>
+            </a:endParaRPr>
+          </a:p>
+          <a:p>
+            <a:pPr indent="-323850" lvl="0" marL="914400" rtl="0" algn="l">
+              <a:spcBef>
+                <a:spcPts val="0"/>
+              </a:spcBef>
+              <a:spcAft>
+                <a:spcPts val="0"/>
+              </a:spcAft>
+              <a:buClr>
+                <a:schemeClr val="lt1"/>
+              </a:buClr>
+              <a:buSzPts val="1500"/>
+              <a:buFont typeface="Arial"/>
+              <a:buChar char="●"/>
+            </a:pPr>
+            <a:r>
+              <a:rPr lang="en" sz="1500">
+                <a:solidFill>
+                  <a:schemeClr val="lt1"/>
+                </a:solidFill>
+                <a:latin typeface="Arial"/>
+                <a:ea typeface="Arial"/>
+                <a:cs typeface="Arial"/>
+                <a:sym typeface="Arial"/>
+              </a:rPr>
+              <a:t>Ride between 1 min and 16 mins</a:t>
+            </a:r>
+            <a:endParaRPr sz="1500">
+              <a:solidFill>
+                <a:schemeClr val="lt1"/>
+              </a:solidFill>
+              <a:latin typeface="Arial"/>
+              <a:ea typeface="Arial"/>
+              <a:cs typeface="Arial"/>
+              <a:sym typeface="Arial"/>
+            </a:endParaRPr>
+          </a:p>
+          <a:p>
+            <a:pPr indent="-323850" lvl="0" marL="914400" rtl="0" algn="l">
+              <a:spcBef>
+                <a:spcPts val="0"/>
+              </a:spcBef>
+              <a:spcAft>
+                <a:spcPts val="0"/>
+              </a:spcAft>
+              <a:buClr>
+                <a:schemeClr val="lt1"/>
+              </a:buClr>
+              <a:buSzPts val="1500"/>
+              <a:buFont typeface="Arial"/>
+              <a:buChar char="●"/>
+            </a:pPr>
+            <a:r>
+              <a:rPr lang="en" sz="1500">
+                <a:solidFill>
+                  <a:schemeClr val="lt1"/>
+                </a:solidFill>
+                <a:latin typeface="Arial"/>
+                <a:ea typeface="Arial"/>
+                <a:cs typeface="Arial"/>
+                <a:sym typeface="Arial"/>
+              </a:rPr>
+              <a:t>From Monday until Friday</a:t>
+            </a:r>
+            <a:endParaRPr sz="1500">
+              <a:solidFill>
+                <a:schemeClr val="lt1"/>
+              </a:solidFill>
+              <a:latin typeface="Arial"/>
+              <a:ea typeface="Arial"/>
+              <a:cs typeface="Arial"/>
+              <a:sym typeface="Arial"/>
+            </a:endParaRPr>
+          </a:p>
+          <a:p>
+            <a:pPr indent="0" lvl="0" marL="457200" rtl="0" algn="l">
+              <a:spcBef>
+                <a:spcPts val="0"/>
+              </a:spcBef>
+              <a:spcAft>
+                <a:spcPts val="0"/>
+              </a:spcAft>
+              <a:buNone/>
+            </a:pPr>
+            <a:r>
+              <a:t/>
+            </a:r>
+            <a:endParaRPr sz="1500">
+              <a:solidFill>
+                <a:schemeClr val="lt1"/>
+              </a:solidFill>
+              <a:latin typeface="Arial"/>
+              <a:ea typeface="Arial"/>
+              <a:cs typeface="Arial"/>
+              <a:sym typeface="Arial"/>
+            </a:endParaRPr>
+          </a:p>
+          <a:p>
+            <a:pPr indent="-323850" lvl="0" marL="457200" rtl="0" algn="l">
+              <a:spcBef>
+                <a:spcPts val="0"/>
+              </a:spcBef>
+              <a:spcAft>
+                <a:spcPts val="0"/>
+              </a:spcAft>
+              <a:buClr>
+                <a:schemeClr val="lt1"/>
+              </a:buClr>
+              <a:buSzPts val="1500"/>
+              <a:buFont typeface="Arial"/>
+              <a:buChar char="●"/>
+            </a:pPr>
+            <a:r>
+              <a:rPr lang="en" sz="1500">
+                <a:solidFill>
+                  <a:schemeClr val="lt1"/>
+                </a:solidFill>
+                <a:latin typeface="Arial"/>
+                <a:ea typeface="Arial"/>
+                <a:cs typeface="Arial"/>
+                <a:sym typeface="Arial"/>
+              </a:rPr>
+              <a:t>The annual membership customer profile was compared with casual rider data</a:t>
+            </a:r>
+            <a:endParaRPr sz="1500">
+              <a:solidFill>
+                <a:schemeClr val="lt1"/>
+              </a:solidFill>
+              <a:latin typeface="Arial"/>
+              <a:ea typeface="Arial"/>
+              <a:cs typeface="Arial"/>
+              <a:sym typeface="Arial"/>
+            </a:endParaRPr>
+          </a:p>
+          <a:p>
+            <a:pPr indent="0" lvl="0" marL="457200" rtl="0" algn="l">
+              <a:spcBef>
+                <a:spcPts val="0"/>
+              </a:spcBef>
+              <a:spcAft>
+                <a:spcPts val="0"/>
+              </a:spcAft>
+              <a:buNone/>
+            </a:pPr>
+            <a:r>
+              <a:t/>
+            </a:r>
+            <a:endParaRPr sz="1500">
+              <a:solidFill>
+                <a:schemeClr val="lt1"/>
+              </a:solidFill>
+              <a:latin typeface="Arial"/>
+              <a:ea typeface="Arial"/>
+              <a:cs typeface="Arial"/>
+              <a:sym typeface="Arial"/>
+            </a:endParaRPr>
+          </a:p>
+          <a:p>
+            <a:pPr indent="-323850" lvl="0" marL="457200" rtl="0" algn="l">
+              <a:spcBef>
+                <a:spcPts val="0"/>
+              </a:spcBef>
+              <a:spcAft>
+                <a:spcPts val="0"/>
+              </a:spcAft>
+              <a:buClr>
+                <a:schemeClr val="lt1"/>
+              </a:buClr>
+              <a:buSzPts val="1500"/>
+              <a:buFont typeface="Arial"/>
+              <a:buChar char="●"/>
+            </a:pPr>
+            <a:r>
+              <a:rPr lang="en" sz="1500">
+                <a:solidFill>
+                  <a:schemeClr val="lt1"/>
+                </a:solidFill>
+                <a:latin typeface="Arial"/>
+                <a:ea typeface="Arial"/>
+                <a:cs typeface="Arial"/>
+                <a:sym typeface="Arial"/>
+              </a:rPr>
+              <a:t>Casual rider data indicates that 3740</a:t>
+            </a:r>
+            <a:r>
+              <a:rPr lang="en" sz="1500">
+                <a:solidFill>
+                  <a:schemeClr val="lt1"/>
+                </a:solidFill>
+                <a:latin typeface="Arial"/>
+                <a:ea typeface="Arial"/>
+                <a:cs typeface="Arial"/>
+                <a:sym typeface="Arial"/>
+              </a:rPr>
+              <a:t> </a:t>
+            </a:r>
+            <a:r>
+              <a:rPr lang="en" sz="1500">
+                <a:solidFill>
+                  <a:schemeClr val="lt1"/>
+                </a:solidFill>
+                <a:latin typeface="Arial"/>
+                <a:ea typeface="Arial"/>
+                <a:cs typeface="Arial"/>
+                <a:sym typeface="Arial"/>
+              </a:rPr>
+              <a:t>trips were made in 2019 (10.89%) with the same customer profile</a:t>
             </a:r>
             <a:endParaRPr sz="1500">
               <a:solidFill>
@@ -20006,6 +20878,90 @@
           </a:p>
         </p:txBody>
       </p:sp>
+      <p:pic>
+        <p:nvPicPr>
+          <p:cNvPr id="332" name="Google Shape;332;p21" title="Chart"/>
+          <p:cNvPicPr preferRelativeResize="0"/>
+          <p:nvPr/>
+        </p:nvPicPr>
+        <p:blipFill>
+          <a:blip r:embed="rId3">
+            <a:alphaModFix/>
+          </a:blip>
+          <a:stretch>
+            <a:fillRect/>
+          </a:stretch>
+        </p:blipFill>
+        <p:spPr>
+          <a:xfrm>
+            <a:off x="6459575" y="189375"/>
+            <a:ext cx="2535075" cy="1567538"/>
+          </a:xfrm>
+          <a:prstGeom prst="rect">
+            <a:avLst/>
+          </a:prstGeom>
+          <a:noFill/>
+          <a:ln>
+            <a:noFill/>
+          </a:ln>
+        </p:spPr>
+      </p:pic>
+      <p:pic>
+        <p:nvPicPr>
+          <p:cNvPr id="333" name="Google Shape;333;p21" title="Chart"/>
+          <p:cNvPicPr preferRelativeResize="0"/>
+          <p:nvPr/>
+        </p:nvPicPr>
+        <p:blipFill>
+          <a:blip r:embed="rId4">
+            <a:alphaModFix/>
+          </a:blip>
+          <a:stretch>
+            <a:fillRect/>
+          </a:stretch>
+        </p:blipFill>
+        <p:spPr>
+          <a:xfrm>
+            <a:off x="6459575" y="1837377"/>
+            <a:ext cx="2535075" cy="1567538"/>
+          </a:xfrm>
+          <a:prstGeom prst="rect">
+            <a:avLst/>
+          </a:prstGeom>
+          <a:noFill/>
+          <a:ln>
+            <a:noFill/>
+          </a:ln>
+        </p:spPr>
+      </p:pic>
+      <p:pic>
+        <p:nvPicPr>
+          <p:cNvPr id="334" name="Google Shape;334;p21" title="Chart"/>
+          <p:cNvPicPr preferRelativeResize="0"/>
+          <p:nvPr/>
+        </p:nvPicPr>
+        <p:blipFill>
+          <a:blip r:embed="rId5">
+            <a:alphaModFix/>
+          </a:blip>
+          <a:stretch>
+            <a:fillRect/>
+          </a:stretch>
+        </p:blipFill>
+        <p:spPr>
+          <a:xfrm>
+            <a:off x="6459575" y="3485375"/>
+            <a:ext cx="2535075" cy="1567499"/>
+          </a:xfrm>
+          <a:prstGeom prst="rect">
+            <a:avLst/>
+          </a:prstGeom>
+          <a:noFill/>
+          <a:ln>
+            <a:noFill/>
+          </a:ln>
+        </p:spPr>
+      </p:pic>
     </p:spTree>
   </p:cSld>
   <p:clrMapOvr>
